--- a/195 - Fairest Lord Jesus.pptx
+++ b/195 - Fairest Lord Jesus.pptx
@@ -114,10 +114,6 @@
 </p:presentation>
 </file>
 
-<file path=ppt/revisionInfo.xml><?xml version="1.0" encoding="utf-8"?>
-<p1510:revInfo xmlns:a="http://schemas.openxmlformats.org/drawingml/2006/main" xmlns:r="http://schemas.openxmlformats.org/officeDocument/2006/relationships" xmlns:p1510="http://schemas.microsoft.com/office/powerpoint/2015/10/main"/>
-</file>
-
 <file path=ppt/slideLayouts/slideLayout1.xml><?xml version="1.0" encoding="utf-8"?>
 <p:sldLayout xmlns:a="http://schemas.openxmlformats.org/drawingml/2006/main" xmlns:r="http://schemas.openxmlformats.org/officeDocument/2006/relationships" xmlns:p="http://schemas.openxmlformats.org/presentationml/2006/main" type="title" preserve="1">
   <p:cSld name="Title Slide">
@@ -247,7 +243,7 @@
           <a:p>
             <a:fld id="{32F7251A-AE54-443C-B8FE-5F636E835EBF}" type="datetimeFigureOut">
               <a:rPr lang="en-US" smtClean="0"/>
-              <a:t>7/2/2017</a:t>
+              <a:t>8/9/2020</a:t>
             </a:fld>
             <a:endParaRPr lang="en-US"/>
           </a:p>
@@ -415,7 +411,7 @@
           <a:p>
             <a:fld id="{32F7251A-AE54-443C-B8FE-5F636E835EBF}" type="datetimeFigureOut">
               <a:rPr lang="en-US" smtClean="0"/>
-              <a:t>7/2/2017</a:t>
+              <a:t>8/9/2020</a:t>
             </a:fld>
             <a:endParaRPr lang="en-US"/>
           </a:p>
@@ -593,7 +589,7 @@
           <a:p>
             <a:fld id="{32F7251A-AE54-443C-B8FE-5F636E835EBF}" type="datetimeFigureOut">
               <a:rPr lang="en-US" smtClean="0"/>
-              <a:t>7/2/2017</a:t>
+              <a:t>8/9/2020</a:t>
             </a:fld>
             <a:endParaRPr lang="en-US"/>
           </a:p>
@@ -761,7 +757,7 @@
           <a:p>
             <a:fld id="{32F7251A-AE54-443C-B8FE-5F636E835EBF}" type="datetimeFigureOut">
               <a:rPr lang="en-US" smtClean="0"/>
-              <a:t>7/2/2017</a:t>
+              <a:t>8/9/2020</a:t>
             </a:fld>
             <a:endParaRPr lang="en-US"/>
           </a:p>
@@ -1006,7 +1002,7 @@
           <a:p>
             <a:fld id="{32F7251A-AE54-443C-B8FE-5F636E835EBF}" type="datetimeFigureOut">
               <a:rPr lang="en-US" smtClean="0"/>
-              <a:t>7/2/2017</a:t>
+              <a:t>8/9/2020</a:t>
             </a:fld>
             <a:endParaRPr lang="en-US"/>
           </a:p>
@@ -1235,7 +1231,7 @@
           <a:p>
             <a:fld id="{32F7251A-AE54-443C-B8FE-5F636E835EBF}" type="datetimeFigureOut">
               <a:rPr lang="en-US" smtClean="0"/>
-              <a:t>7/2/2017</a:t>
+              <a:t>8/9/2020</a:t>
             </a:fld>
             <a:endParaRPr lang="en-US"/>
           </a:p>
@@ -1599,7 +1595,7 @@
           <a:p>
             <a:fld id="{32F7251A-AE54-443C-B8FE-5F636E835EBF}" type="datetimeFigureOut">
               <a:rPr lang="en-US" smtClean="0"/>
-              <a:t>7/2/2017</a:t>
+              <a:t>8/9/2020</a:t>
             </a:fld>
             <a:endParaRPr lang="en-US"/>
           </a:p>
@@ -1716,7 +1712,7 @@
           <a:p>
             <a:fld id="{32F7251A-AE54-443C-B8FE-5F636E835EBF}" type="datetimeFigureOut">
               <a:rPr lang="en-US" smtClean="0"/>
-              <a:t>7/2/2017</a:t>
+              <a:t>8/9/2020</a:t>
             </a:fld>
             <a:endParaRPr lang="en-US"/>
           </a:p>
@@ -1811,7 +1807,7 @@
           <a:p>
             <a:fld id="{32F7251A-AE54-443C-B8FE-5F636E835EBF}" type="datetimeFigureOut">
               <a:rPr lang="en-US" smtClean="0"/>
-              <a:t>7/2/2017</a:t>
+              <a:t>8/9/2020</a:t>
             </a:fld>
             <a:endParaRPr lang="en-US"/>
           </a:p>
@@ -2086,7 +2082,7 @@
           <a:p>
             <a:fld id="{32F7251A-AE54-443C-B8FE-5F636E835EBF}" type="datetimeFigureOut">
               <a:rPr lang="en-US" smtClean="0"/>
-              <a:t>7/2/2017</a:t>
+              <a:t>8/9/2020</a:t>
             </a:fld>
             <a:endParaRPr lang="en-US"/>
           </a:p>
@@ -2338,7 +2334,7 @@
           <a:p>
             <a:fld id="{32F7251A-AE54-443C-B8FE-5F636E835EBF}" type="datetimeFigureOut">
               <a:rPr lang="en-US" smtClean="0"/>
-              <a:t>7/2/2017</a:t>
+              <a:t>8/9/2020</a:t>
             </a:fld>
             <a:endParaRPr lang="en-US"/>
           </a:p>
@@ -2405,7 +2401,9 @@
     <p:bg>
       <p:bgPr>
         <a:solidFill>
-          <a:srgbClr val="333333"/>
+          <a:schemeClr val="bg1">
+            <a:lumMod val="10000"/>
+          </a:schemeClr>
         </a:solidFill>
         <a:effectLst/>
       </p:bgPr>
@@ -2552,7 +2550,7 @@
           <a:p>
             <a:fld id="{32F7251A-AE54-443C-B8FE-5F636E835EBF}" type="datetimeFigureOut">
               <a:rPr lang="en-US" smtClean="0"/>
-              <a:t>7/2/2017</a:t>
+              <a:t>8/9/2020</a:t>
             </a:fld>
             <a:endParaRPr lang="en-US"/>
           </a:p>
@@ -3022,8 +3020,8 @@
         </p:nvSpPr>
         <p:spPr>
           <a:xfrm>
-            <a:off x="0" y="5804209"/>
-            <a:ext cx="12192000" cy="830997"/>
+            <a:off x="0" y="5927320"/>
+            <a:ext cx="12192000" cy="584775"/>
           </a:xfrm>
           <a:prstGeom prst="rect">
             <a:avLst/>
@@ -3038,10 +3036,12 @@
           <a:p>
             <a:pPr algn="ctr"/>
             <a:r>
-              <a:rPr lang="en-US" sz="4800" dirty="0">
+              <a:rPr lang="en-US" sz="3200" u="sng" dirty="0">
                 <a:solidFill>
                   <a:schemeClr val="bg1"/>
                 </a:solidFill>
+                <a:latin typeface="Assistant SemiBold" panose="00000700000000000000" pitchFamily="2" charset="-79"/>
+                <a:cs typeface="Assistant SemiBold" panose="00000700000000000000" pitchFamily="2" charset="-79"/>
               </a:rPr>
               <a:t>“Fairest Lord Jesus”</a:t>
             </a:r>
@@ -3056,8 +3056,8 @@
         </p:nvSpPr>
         <p:spPr>
           <a:xfrm>
-            <a:off x="0" y="769954"/>
-            <a:ext cx="12192000" cy="3970318"/>
+            <a:off x="0" y="1022944"/>
+            <a:ext cx="12192000" cy="3108543"/>
           </a:xfrm>
           <a:prstGeom prst="rect">
             <a:avLst/>
@@ -3072,10 +3072,12 @@
           <a:p>
             <a:pPr algn="ctr"/>
             <a:r>
-              <a:rPr lang="en-US" sz="3600" dirty="0">
+              <a:rPr lang="en-US" sz="2800" spc="50" dirty="0">
                 <a:solidFill>
                   <a:schemeClr val="bg1"/>
                 </a:solidFill>
+                <a:latin typeface="Assistant" panose="00000500000000000000" pitchFamily="2" charset="-79"/>
+                <a:cs typeface="Assistant" panose="00000500000000000000" pitchFamily="2" charset="-79"/>
               </a:rPr>
               <a:t>Fairest Lord Jesus,</a:t>
             </a:r>
@@ -3083,10 +3085,12 @@
           <a:p>
             <a:pPr algn="ctr"/>
             <a:r>
-              <a:rPr lang="en-US" sz="3600" dirty="0">
+              <a:rPr lang="en-US" sz="2800" spc="50" dirty="0">
                 <a:solidFill>
                   <a:schemeClr val="bg1"/>
                 </a:solidFill>
+                <a:latin typeface="Assistant" panose="00000500000000000000" pitchFamily="2" charset="-79"/>
+                <a:cs typeface="Assistant" panose="00000500000000000000" pitchFamily="2" charset="-79"/>
               </a:rPr>
               <a:t>Ruler of all nature</a:t>
             </a:r>
@@ -3094,29 +3098,35 @@
           <a:p>
             <a:pPr algn="ctr"/>
             <a:r>
-              <a:rPr lang="en-US" sz="3600" dirty="0">
+              <a:rPr lang="en-US" sz="2800" spc="50" dirty="0">
                 <a:solidFill>
                   <a:schemeClr val="bg1"/>
                 </a:solidFill>
+                <a:latin typeface="Assistant" panose="00000500000000000000" pitchFamily="2" charset="-79"/>
+                <a:cs typeface="Assistant" panose="00000500000000000000" pitchFamily="2" charset="-79"/>
               </a:rPr>
               <a:t>O, Thou of God and man the Son,</a:t>
             </a:r>
           </a:p>
           <a:p>
             <a:pPr algn="ctr"/>
-            <a:endParaRPr lang="en-US" sz="3600" dirty="0">
+            <a:endParaRPr lang="en-US" sz="2800" spc="50" dirty="0">
               <a:solidFill>
                 <a:schemeClr val="bg1"/>
               </a:solidFill>
+              <a:latin typeface="Assistant" panose="00000500000000000000" pitchFamily="2" charset="-79"/>
+              <a:cs typeface="Assistant" panose="00000500000000000000" pitchFamily="2" charset="-79"/>
             </a:endParaRPr>
           </a:p>
           <a:p>
             <a:pPr algn="ctr"/>
             <a:r>
-              <a:rPr lang="en-US" sz="3600" dirty="0">
+              <a:rPr lang="en-US" sz="2800" spc="50" dirty="0">
                 <a:solidFill>
                   <a:schemeClr val="bg1"/>
                 </a:solidFill>
+                <a:latin typeface="Assistant" panose="00000500000000000000" pitchFamily="2" charset="-79"/>
+                <a:cs typeface="Assistant" panose="00000500000000000000" pitchFamily="2" charset="-79"/>
               </a:rPr>
               <a:t>Thee will I cherish,</a:t>
             </a:r>
@@ -3124,10 +3134,12 @@
           <a:p>
             <a:pPr algn="ctr"/>
             <a:r>
-              <a:rPr lang="en-US" sz="3600" dirty="0">
+              <a:rPr lang="en-US" sz="2800" spc="50" dirty="0">
                 <a:solidFill>
                   <a:schemeClr val="bg1"/>
                 </a:solidFill>
+                <a:latin typeface="Assistant" panose="00000500000000000000" pitchFamily="2" charset="-79"/>
+                <a:cs typeface="Assistant" panose="00000500000000000000" pitchFamily="2" charset="-79"/>
               </a:rPr>
               <a:t>Thee will I honor,</a:t>
             </a:r>
@@ -3135,10 +3147,12 @@
           <a:p>
             <a:pPr algn="ctr"/>
             <a:r>
-              <a:rPr lang="en-US" sz="3600" dirty="0">
+              <a:rPr lang="en-US" sz="2800" spc="50" dirty="0">
                 <a:solidFill>
                   <a:schemeClr val="bg1"/>
                 </a:solidFill>
+                <a:latin typeface="Assistant" panose="00000500000000000000" pitchFamily="2" charset="-79"/>
+                <a:cs typeface="Assistant" panose="00000500000000000000" pitchFamily="2" charset="-79"/>
               </a:rPr>
               <a:t>Thou, my soul’s glory, joy, and crown.</a:t>
             </a:r>
@@ -3240,8 +3254,8 @@
         </p:nvSpPr>
         <p:spPr>
           <a:xfrm>
-            <a:off x="0" y="5804209"/>
-            <a:ext cx="12192000" cy="830997"/>
+            <a:off x="0" y="5927320"/>
+            <a:ext cx="12192000" cy="584775"/>
           </a:xfrm>
           <a:prstGeom prst="rect">
             <a:avLst/>
@@ -3256,10 +3270,12 @@
           <a:p>
             <a:pPr algn="ctr"/>
             <a:r>
-              <a:rPr lang="en-US" sz="4800" dirty="0">
+              <a:rPr lang="en-US" sz="3200" u="sng" dirty="0">
                 <a:solidFill>
                   <a:schemeClr val="bg1"/>
                 </a:solidFill>
+                <a:latin typeface="Assistant SemiBold" panose="00000700000000000000" pitchFamily="2" charset="-79"/>
+                <a:cs typeface="Assistant SemiBold" panose="00000700000000000000" pitchFamily="2" charset="-79"/>
               </a:rPr>
               <a:t>“Fairest Lord Jesus”</a:t>
             </a:r>
@@ -3274,8 +3290,8 @@
         </p:nvSpPr>
         <p:spPr>
           <a:xfrm>
-            <a:off x="0" y="769954"/>
-            <a:ext cx="12192000" cy="3970318"/>
+            <a:off x="0" y="1022944"/>
+            <a:ext cx="12192000" cy="3108543"/>
           </a:xfrm>
           <a:prstGeom prst="rect">
             <a:avLst/>
@@ -3290,10 +3306,12 @@
           <a:p>
             <a:pPr algn="ctr"/>
             <a:r>
-              <a:rPr lang="en-US" sz="3600" dirty="0">
+              <a:rPr lang="en-US" sz="2800" spc="50" dirty="0">
                 <a:solidFill>
                   <a:schemeClr val="bg1"/>
                 </a:solidFill>
+                <a:latin typeface="Assistant" panose="00000500000000000000" pitchFamily="2" charset="-79"/>
+                <a:cs typeface="Assistant" panose="00000500000000000000" pitchFamily="2" charset="-79"/>
               </a:rPr>
               <a:t>Fair are the meadows,</a:t>
             </a:r>
@@ -3301,10 +3319,12 @@
           <a:p>
             <a:pPr algn="ctr"/>
             <a:r>
-              <a:rPr lang="en-US" sz="3600" dirty="0">
+              <a:rPr lang="en-US" sz="2800" spc="50" dirty="0">
                 <a:solidFill>
                   <a:schemeClr val="bg1"/>
                 </a:solidFill>
+                <a:latin typeface="Assistant" panose="00000500000000000000" pitchFamily="2" charset="-79"/>
+                <a:cs typeface="Assistant" panose="00000500000000000000" pitchFamily="2" charset="-79"/>
               </a:rPr>
               <a:t>Fairer still the woodlands,</a:t>
             </a:r>
@@ -3312,29 +3332,35 @@
           <a:p>
             <a:pPr algn="ctr"/>
             <a:r>
-              <a:rPr lang="en-US" sz="3600" dirty="0">
+              <a:rPr lang="en-US" sz="2800" spc="50" dirty="0">
                 <a:solidFill>
                   <a:schemeClr val="bg1"/>
                 </a:solidFill>
+                <a:latin typeface="Assistant" panose="00000500000000000000" pitchFamily="2" charset="-79"/>
+                <a:cs typeface="Assistant" panose="00000500000000000000" pitchFamily="2" charset="-79"/>
               </a:rPr>
               <a:t>Robed in the blooming garb of spring.</a:t>
             </a:r>
           </a:p>
           <a:p>
             <a:pPr algn="ctr"/>
-            <a:endParaRPr lang="en-US" sz="3600" dirty="0">
+            <a:endParaRPr lang="en-US" sz="2800" spc="50" dirty="0">
               <a:solidFill>
                 <a:schemeClr val="bg1"/>
               </a:solidFill>
+              <a:latin typeface="Assistant" panose="00000500000000000000" pitchFamily="2" charset="-79"/>
+              <a:cs typeface="Assistant" panose="00000500000000000000" pitchFamily="2" charset="-79"/>
             </a:endParaRPr>
           </a:p>
           <a:p>
             <a:pPr algn="ctr"/>
             <a:r>
-              <a:rPr lang="en-US" sz="3600" dirty="0">
+              <a:rPr lang="en-US" sz="2800" spc="50" dirty="0">
                 <a:solidFill>
                   <a:schemeClr val="bg1"/>
                 </a:solidFill>
+                <a:latin typeface="Assistant" panose="00000500000000000000" pitchFamily="2" charset="-79"/>
+                <a:cs typeface="Assistant" panose="00000500000000000000" pitchFamily="2" charset="-79"/>
               </a:rPr>
               <a:t>Jesus is fairer,</a:t>
             </a:r>
@@ -3342,10 +3368,12 @@
           <a:p>
             <a:pPr algn="ctr"/>
             <a:r>
-              <a:rPr lang="en-US" sz="3600" dirty="0">
+              <a:rPr lang="en-US" sz="2800" spc="50" dirty="0">
                 <a:solidFill>
                   <a:schemeClr val="bg1"/>
                 </a:solidFill>
+                <a:latin typeface="Assistant" panose="00000500000000000000" pitchFamily="2" charset="-79"/>
+                <a:cs typeface="Assistant" panose="00000500000000000000" pitchFamily="2" charset="-79"/>
               </a:rPr>
               <a:t>Jesus is purer,</a:t>
             </a:r>
@@ -3353,10 +3381,12 @@
           <a:p>
             <a:pPr algn="ctr"/>
             <a:r>
-              <a:rPr lang="en-US" sz="3600" dirty="0">
+              <a:rPr lang="en-US" sz="2800" spc="50" dirty="0">
                 <a:solidFill>
                   <a:schemeClr val="bg1"/>
                 </a:solidFill>
+                <a:latin typeface="Assistant" panose="00000500000000000000" pitchFamily="2" charset="-79"/>
+                <a:cs typeface="Assistant" panose="00000500000000000000" pitchFamily="2" charset="-79"/>
               </a:rPr>
               <a:t>Who makes the woeful heart to sing.</a:t>
             </a:r>
@@ -3458,8 +3488,8 @@
         </p:nvSpPr>
         <p:spPr>
           <a:xfrm>
-            <a:off x="0" y="5804209"/>
-            <a:ext cx="12192000" cy="830997"/>
+            <a:off x="0" y="5927320"/>
+            <a:ext cx="12192000" cy="584775"/>
           </a:xfrm>
           <a:prstGeom prst="rect">
             <a:avLst/>
@@ -3474,10 +3504,12 @@
           <a:p>
             <a:pPr algn="ctr"/>
             <a:r>
-              <a:rPr lang="en-US" sz="4800" dirty="0">
+              <a:rPr lang="en-US" sz="3200" u="sng" dirty="0">
                 <a:solidFill>
                   <a:schemeClr val="bg1"/>
                 </a:solidFill>
+                <a:latin typeface="Assistant SemiBold" panose="00000700000000000000" pitchFamily="2" charset="-79"/>
+                <a:cs typeface="Assistant SemiBold" panose="00000700000000000000" pitchFamily="2" charset="-79"/>
               </a:rPr>
               <a:t>“Fairest Lord Jesus”</a:t>
             </a:r>
@@ -3492,8 +3524,8 @@
         </p:nvSpPr>
         <p:spPr>
           <a:xfrm>
-            <a:off x="0" y="769954"/>
-            <a:ext cx="12192000" cy="3970318"/>
+            <a:off x="0" y="1022944"/>
+            <a:ext cx="12192000" cy="3108543"/>
           </a:xfrm>
           <a:prstGeom prst="rect">
             <a:avLst/>
@@ -3508,10 +3540,12 @@
           <a:p>
             <a:pPr algn="ctr"/>
             <a:r>
-              <a:rPr lang="en-US" sz="3600" dirty="0">
+              <a:rPr lang="en-US" sz="2800" spc="50" dirty="0">
                 <a:solidFill>
                   <a:schemeClr val="bg1"/>
                 </a:solidFill>
+                <a:latin typeface="Assistant" panose="00000500000000000000" pitchFamily="2" charset="-79"/>
+                <a:cs typeface="Assistant" panose="00000500000000000000" pitchFamily="2" charset="-79"/>
               </a:rPr>
               <a:t>Fair is the sunshine,</a:t>
             </a:r>
@@ -3519,10 +3553,12 @@
           <a:p>
             <a:pPr algn="ctr"/>
             <a:r>
-              <a:rPr lang="en-US" sz="3600" dirty="0">
+              <a:rPr lang="en-US" sz="2800" spc="50" dirty="0">
                 <a:solidFill>
                   <a:schemeClr val="bg1"/>
                 </a:solidFill>
+                <a:latin typeface="Assistant" panose="00000500000000000000" pitchFamily="2" charset="-79"/>
+                <a:cs typeface="Assistant" panose="00000500000000000000" pitchFamily="2" charset="-79"/>
               </a:rPr>
               <a:t>Fairer still the moonlight,</a:t>
             </a:r>
@@ -3530,29 +3566,35 @@
           <a:p>
             <a:pPr algn="ctr"/>
             <a:r>
-              <a:rPr lang="en-US" sz="3600" dirty="0">
+              <a:rPr lang="en-US" sz="2800" spc="50" dirty="0">
                 <a:solidFill>
                   <a:schemeClr val="bg1"/>
                 </a:solidFill>
+                <a:latin typeface="Assistant" panose="00000500000000000000" pitchFamily="2" charset="-79"/>
+                <a:cs typeface="Assistant" panose="00000500000000000000" pitchFamily="2" charset="-79"/>
               </a:rPr>
               <a:t>And all the twinkling, starry host.</a:t>
             </a:r>
           </a:p>
           <a:p>
             <a:pPr algn="ctr"/>
-            <a:endParaRPr lang="en-US" sz="3600" dirty="0">
+            <a:endParaRPr lang="en-US" sz="2800" spc="50" dirty="0">
               <a:solidFill>
                 <a:schemeClr val="bg1"/>
               </a:solidFill>
+              <a:latin typeface="Assistant" panose="00000500000000000000" pitchFamily="2" charset="-79"/>
+              <a:cs typeface="Assistant" panose="00000500000000000000" pitchFamily="2" charset="-79"/>
             </a:endParaRPr>
           </a:p>
           <a:p>
             <a:pPr algn="ctr"/>
             <a:r>
-              <a:rPr lang="en-US" sz="3600" dirty="0">
+              <a:rPr lang="en-US" sz="2800" spc="50" dirty="0">
                 <a:solidFill>
                   <a:schemeClr val="bg1"/>
                 </a:solidFill>
+                <a:latin typeface="Assistant" panose="00000500000000000000" pitchFamily="2" charset="-79"/>
+                <a:cs typeface="Assistant" panose="00000500000000000000" pitchFamily="2" charset="-79"/>
               </a:rPr>
               <a:t>Jesus shines brighter,</a:t>
             </a:r>
@@ -3560,10 +3602,12 @@
           <a:p>
             <a:pPr algn="ctr"/>
             <a:r>
-              <a:rPr lang="en-US" sz="3600" dirty="0">
+              <a:rPr lang="en-US" sz="2800" spc="50" dirty="0">
                 <a:solidFill>
                   <a:schemeClr val="bg1"/>
                 </a:solidFill>
+                <a:latin typeface="Assistant" panose="00000500000000000000" pitchFamily="2" charset="-79"/>
+                <a:cs typeface="Assistant" panose="00000500000000000000" pitchFamily="2" charset="-79"/>
               </a:rPr>
               <a:t>Jesus shines purer</a:t>
             </a:r>
@@ -3571,10 +3615,12 @@
           <a:p>
             <a:pPr algn="ctr"/>
             <a:r>
-              <a:rPr lang="en-US" sz="3600" dirty="0">
+              <a:rPr lang="en-US" sz="2800" spc="50" dirty="0">
                 <a:solidFill>
                   <a:schemeClr val="bg1"/>
                 </a:solidFill>
+                <a:latin typeface="Assistant" panose="00000500000000000000" pitchFamily="2" charset="-79"/>
+                <a:cs typeface="Assistant" panose="00000500000000000000" pitchFamily="2" charset="-79"/>
               </a:rPr>
               <a:t>Than all the angels heaven can boast.</a:t>
             </a:r>
